--- a/src/test/resources/test1site/documents/test.pptx
+++ b/src/test/resources/test1site/documents/test.pptx
@@ -53,7 +53,7 @@
       </p:grpSpPr>
       <p:sp>
         <p:nvSpPr>
-          <p:cNvPr id="26" name="PlaceHolder 1"/>
+          <p:cNvPr id="22" name="PlaceHolder 1"/>
           <p:cNvSpPr>
             <a:spLocks noGrp="1"/>
           </p:cNvSpPr>
@@ -64,7 +64,7 @@
         <p:spPr>
           <a:xfrm>
             <a:off x="504000" y="301320"/>
-            <a:ext cx="9071640" cy="1262160"/>
+            <a:ext cx="9071280" cy="1261800"/>
           </a:xfrm>
           <a:prstGeom prst="rect">
             <a:avLst/>
@@ -82,48 +82,48 @@
       </p:sp>
       <p:sp>
         <p:nvSpPr>
-          <p:cNvPr id="27" name="PlaceHolder 2"/>
-          <p:cNvSpPr>
-            <a:spLocks noGrp="1"/>
-          </p:cNvSpPr>
-          <p:nvPr>
-            <p:ph type="body"/>
-          </p:nvPr>
-        </p:nvSpPr>
-        <p:spPr>
-          <a:xfrm>
-            <a:off x="504000" y="1769040"/>
-            <a:ext cx="9071640" cy="2091240"/>
-          </a:xfrm>
-          <a:prstGeom prst="rect">
-            <a:avLst/>
-          </a:prstGeom>
-        </p:spPr>
-        <p:txBody>
-          <a:bodyPr lIns="0" rIns="0" tIns="0" bIns="0">
-            <a:normAutofit/>
-          </a:bodyPr>
-          <a:p>
-            <a:endParaRPr b="0" lang="cs-CZ" sz="3200" spc="-1" strike="noStrike">
-              <a:latin typeface="Arial"/>
-            </a:endParaRPr>
-          </a:p>
-        </p:txBody>
-      </p:sp>
-      <p:sp>
-        <p:nvSpPr>
-          <p:cNvPr id="28" name="PlaceHolder 3"/>
-          <p:cNvSpPr>
-            <a:spLocks noGrp="1"/>
-          </p:cNvSpPr>
-          <p:nvPr>
-            <p:ph type="body"/>
-          </p:nvPr>
-        </p:nvSpPr>
-        <p:spPr>
-          <a:xfrm>
-            <a:off x="504000" y="4059360"/>
-            <a:ext cx="9071640" cy="2091240"/>
+          <p:cNvPr id="23" name="PlaceHolder 2"/>
+          <p:cNvSpPr>
+            <a:spLocks noGrp="1"/>
+          </p:cNvSpPr>
+          <p:nvPr>
+            <p:ph type="body"/>
+          </p:nvPr>
+        </p:nvSpPr>
+        <p:spPr>
+          <a:xfrm>
+            <a:off x="504000" y="1768680"/>
+            <a:ext cx="9072000" cy="2090880"/>
+          </a:xfrm>
+          <a:prstGeom prst="rect">
+            <a:avLst/>
+          </a:prstGeom>
+        </p:spPr>
+        <p:txBody>
+          <a:bodyPr lIns="0" rIns="0" tIns="0" bIns="0">
+            <a:normAutofit/>
+          </a:bodyPr>
+          <a:p>
+            <a:endParaRPr b="0" lang="cs-CZ" sz="3200" spc="-1" strike="noStrike">
+              <a:latin typeface="Arial"/>
+            </a:endParaRPr>
+          </a:p>
+        </p:txBody>
+      </p:sp>
+      <p:sp>
+        <p:nvSpPr>
+          <p:cNvPr id="24" name="PlaceHolder 3"/>
+          <p:cNvSpPr>
+            <a:spLocks noGrp="1"/>
+          </p:cNvSpPr>
+          <p:nvPr>
+            <p:ph type="body"/>
+          </p:nvPr>
+        </p:nvSpPr>
+        <p:spPr>
+          <a:xfrm>
+            <a:off x="504000" y="4058640"/>
+            <a:ext cx="9072000" cy="2090880"/>
           </a:xfrm>
           <a:prstGeom prst="rect">
             <a:avLst/>
@@ -164,7 +164,7 @@
       </p:grpSpPr>
       <p:sp>
         <p:nvSpPr>
-          <p:cNvPr id="29" name="PlaceHolder 1"/>
+          <p:cNvPr id="25" name="PlaceHolder 1"/>
           <p:cNvSpPr>
             <a:spLocks noGrp="1"/>
           </p:cNvSpPr>
@@ -175,7 +175,7 @@
         <p:spPr>
           <a:xfrm>
             <a:off x="504000" y="301320"/>
-            <a:ext cx="9071640" cy="1262160"/>
+            <a:ext cx="9071280" cy="1261800"/>
           </a:xfrm>
           <a:prstGeom prst="rect">
             <a:avLst/>
@@ -193,108 +193,108 @@
       </p:sp>
       <p:sp>
         <p:nvSpPr>
-          <p:cNvPr id="30" name="PlaceHolder 2"/>
-          <p:cNvSpPr>
-            <a:spLocks noGrp="1"/>
-          </p:cNvSpPr>
-          <p:nvPr>
-            <p:ph type="body"/>
-          </p:nvPr>
-        </p:nvSpPr>
-        <p:spPr>
-          <a:xfrm>
-            <a:off x="504000" y="1769040"/>
-            <a:ext cx="4426920" cy="2091240"/>
-          </a:xfrm>
-          <a:prstGeom prst="rect">
-            <a:avLst/>
-          </a:prstGeom>
-        </p:spPr>
-        <p:txBody>
-          <a:bodyPr lIns="0" rIns="0" tIns="0" bIns="0">
-            <a:normAutofit/>
-          </a:bodyPr>
-          <a:p>
-            <a:endParaRPr b="0" lang="cs-CZ" sz="3200" spc="-1" strike="noStrike">
-              <a:latin typeface="Arial"/>
-            </a:endParaRPr>
-          </a:p>
-        </p:txBody>
-      </p:sp>
-      <p:sp>
-        <p:nvSpPr>
-          <p:cNvPr id="31" name="PlaceHolder 3"/>
-          <p:cNvSpPr>
-            <a:spLocks noGrp="1"/>
-          </p:cNvSpPr>
-          <p:nvPr>
-            <p:ph type="body"/>
-          </p:nvPr>
-        </p:nvSpPr>
-        <p:spPr>
-          <a:xfrm>
-            <a:off x="5152680" y="1769040"/>
-            <a:ext cx="4426920" cy="2091240"/>
-          </a:xfrm>
-          <a:prstGeom prst="rect">
-            <a:avLst/>
-          </a:prstGeom>
-        </p:spPr>
-        <p:txBody>
-          <a:bodyPr lIns="0" rIns="0" tIns="0" bIns="0">
-            <a:normAutofit/>
-          </a:bodyPr>
-          <a:p>
-            <a:endParaRPr b="0" lang="cs-CZ" sz="3200" spc="-1" strike="noStrike">
-              <a:latin typeface="Arial"/>
-            </a:endParaRPr>
-          </a:p>
-        </p:txBody>
-      </p:sp>
-      <p:sp>
-        <p:nvSpPr>
-          <p:cNvPr id="32" name="PlaceHolder 4"/>
-          <p:cNvSpPr>
-            <a:spLocks noGrp="1"/>
-          </p:cNvSpPr>
-          <p:nvPr>
-            <p:ph type="body"/>
-          </p:nvPr>
-        </p:nvSpPr>
-        <p:spPr>
-          <a:xfrm>
-            <a:off x="5152680" y="4059360"/>
-            <a:ext cx="4426920" cy="2091240"/>
-          </a:xfrm>
-          <a:prstGeom prst="rect">
-            <a:avLst/>
-          </a:prstGeom>
-        </p:spPr>
-        <p:txBody>
-          <a:bodyPr lIns="0" rIns="0" tIns="0" bIns="0">
-            <a:normAutofit/>
-          </a:bodyPr>
-          <a:p>
-            <a:endParaRPr b="0" lang="cs-CZ" sz="3200" spc="-1" strike="noStrike">
-              <a:latin typeface="Arial"/>
-            </a:endParaRPr>
-          </a:p>
-        </p:txBody>
-      </p:sp>
-      <p:sp>
-        <p:nvSpPr>
-          <p:cNvPr id="33" name="PlaceHolder 5"/>
-          <p:cNvSpPr>
-            <a:spLocks noGrp="1"/>
-          </p:cNvSpPr>
-          <p:nvPr>
-            <p:ph type="body"/>
-          </p:nvPr>
-        </p:nvSpPr>
-        <p:spPr>
-          <a:xfrm>
-            <a:off x="504000" y="4059360"/>
-            <a:ext cx="4426920" cy="2091240"/>
+          <p:cNvPr id="26" name="PlaceHolder 2"/>
+          <p:cNvSpPr>
+            <a:spLocks noGrp="1"/>
+          </p:cNvSpPr>
+          <p:nvPr>
+            <p:ph type="body"/>
+          </p:nvPr>
+        </p:nvSpPr>
+        <p:spPr>
+          <a:xfrm>
+            <a:off x="504000" y="1768680"/>
+            <a:ext cx="4426920" cy="2090880"/>
+          </a:xfrm>
+          <a:prstGeom prst="rect">
+            <a:avLst/>
+          </a:prstGeom>
+        </p:spPr>
+        <p:txBody>
+          <a:bodyPr lIns="0" rIns="0" tIns="0" bIns="0">
+            <a:normAutofit/>
+          </a:bodyPr>
+          <a:p>
+            <a:endParaRPr b="0" lang="cs-CZ" sz="3200" spc="-1" strike="noStrike">
+              <a:latin typeface="Arial"/>
+            </a:endParaRPr>
+          </a:p>
+        </p:txBody>
+      </p:sp>
+      <p:sp>
+        <p:nvSpPr>
+          <p:cNvPr id="27" name="PlaceHolder 3"/>
+          <p:cNvSpPr>
+            <a:spLocks noGrp="1"/>
+          </p:cNvSpPr>
+          <p:nvPr>
+            <p:ph type="body"/>
+          </p:nvPr>
+        </p:nvSpPr>
+        <p:spPr>
+          <a:xfrm>
+            <a:off x="5152680" y="1768680"/>
+            <a:ext cx="4426920" cy="2090880"/>
+          </a:xfrm>
+          <a:prstGeom prst="rect">
+            <a:avLst/>
+          </a:prstGeom>
+        </p:spPr>
+        <p:txBody>
+          <a:bodyPr lIns="0" rIns="0" tIns="0" bIns="0">
+            <a:normAutofit/>
+          </a:bodyPr>
+          <a:p>
+            <a:endParaRPr b="0" lang="cs-CZ" sz="3200" spc="-1" strike="noStrike">
+              <a:latin typeface="Arial"/>
+            </a:endParaRPr>
+          </a:p>
+        </p:txBody>
+      </p:sp>
+      <p:sp>
+        <p:nvSpPr>
+          <p:cNvPr id="28" name="PlaceHolder 4"/>
+          <p:cNvSpPr>
+            <a:spLocks noGrp="1"/>
+          </p:cNvSpPr>
+          <p:nvPr>
+            <p:ph type="body"/>
+          </p:nvPr>
+        </p:nvSpPr>
+        <p:spPr>
+          <a:xfrm>
+            <a:off x="5152680" y="4058640"/>
+            <a:ext cx="4426920" cy="2090880"/>
+          </a:xfrm>
+          <a:prstGeom prst="rect">
+            <a:avLst/>
+          </a:prstGeom>
+        </p:spPr>
+        <p:txBody>
+          <a:bodyPr lIns="0" rIns="0" tIns="0" bIns="0">
+            <a:normAutofit/>
+          </a:bodyPr>
+          <a:p>
+            <a:endParaRPr b="0" lang="cs-CZ" sz="3200" spc="-1" strike="noStrike">
+              <a:latin typeface="Arial"/>
+            </a:endParaRPr>
+          </a:p>
+        </p:txBody>
+      </p:sp>
+      <p:sp>
+        <p:nvSpPr>
+          <p:cNvPr id="29" name="PlaceHolder 5"/>
+          <p:cNvSpPr>
+            <a:spLocks noGrp="1"/>
+          </p:cNvSpPr>
+          <p:nvPr>
+            <p:ph type="body"/>
+          </p:nvPr>
+        </p:nvSpPr>
+        <p:spPr>
+          <a:xfrm>
+            <a:off x="504000" y="4058640"/>
+            <a:ext cx="4426920" cy="2090880"/>
           </a:xfrm>
           <a:prstGeom prst="rect">
             <a:avLst/>
@@ -335,7 +335,7 @@
       </p:grpSpPr>
       <p:sp>
         <p:nvSpPr>
-          <p:cNvPr id="34" name="PlaceHolder 1"/>
+          <p:cNvPr id="30" name="PlaceHolder 1"/>
           <p:cNvSpPr>
             <a:spLocks noGrp="1"/>
           </p:cNvSpPr>
@@ -346,7 +346,7 @@
         <p:spPr>
           <a:xfrm>
             <a:off x="504000" y="301320"/>
-            <a:ext cx="9071640" cy="1262160"/>
+            <a:ext cx="9071280" cy="1261800"/>
           </a:xfrm>
           <a:prstGeom prst="rect">
             <a:avLst/>
@@ -364,168 +364,168 @@
       </p:sp>
       <p:sp>
         <p:nvSpPr>
-          <p:cNvPr id="35" name="PlaceHolder 2"/>
-          <p:cNvSpPr>
-            <a:spLocks noGrp="1"/>
-          </p:cNvSpPr>
-          <p:nvPr>
-            <p:ph type="body"/>
-          </p:nvPr>
-        </p:nvSpPr>
-        <p:spPr>
-          <a:xfrm>
-            <a:off x="504000" y="1769040"/>
-            <a:ext cx="2920680" cy="2091240"/>
-          </a:xfrm>
-          <a:prstGeom prst="rect">
-            <a:avLst/>
-          </a:prstGeom>
-        </p:spPr>
-        <p:txBody>
-          <a:bodyPr lIns="0" rIns="0" tIns="0" bIns="0">
-            <a:normAutofit/>
-          </a:bodyPr>
-          <a:p>
-            <a:endParaRPr b="0" lang="cs-CZ" sz="3200" spc="-1" strike="noStrike">
-              <a:latin typeface="Arial"/>
-            </a:endParaRPr>
-          </a:p>
-        </p:txBody>
-      </p:sp>
-      <p:sp>
-        <p:nvSpPr>
-          <p:cNvPr id="36" name="PlaceHolder 3"/>
-          <p:cNvSpPr>
-            <a:spLocks noGrp="1"/>
-          </p:cNvSpPr>
-          <p:nvPr>
-            <p:ph type="body"/>
-          </p:nvPr>
-        </p:nvSpPr>
-        <p:spPr>
-          <a:xfrm>
-            <a:off x="3571200" y="1769040"/>
-            <a:ext cx="2920680" cy="2091240"/>
-          </a:xfrm>
-          <a:prstGeom prst="rect">
-            <a:avLst/>
-          </a:prstGeom>
-        </p:spPr>
-        <p:txBody>
-          <a:bodyPr lIns="0" rIns="0" tIns="0" bIns="0">
-            <a:normAutofit/>
-          </a:bodyPr>
-          <a:p>
-            <a:endParaRPr b="0" lang="cs-CZ" sz="3200" spc="-1" strike="noStrike">
-              <a:latin typeface="Arial"/>
-            </a:endParaRPr>
-          </a:p>
-        </p:txBody>
-      </p:sp>
-      <p:sp>
-        <p:nvSpPr>
-          <p:cNvPr id="37" name="PlaceHolder 4"/>
-          <p:cNvSpPr>
-            <a:spLocks noGrp="1"/>
-          </p:cNvSpPr>
-          <p:nvPr>
-            <p:ph type="body"/>
-          </p:nvPr>
-        </p:nvSpPr>
-        <p:spPr>
-          <a:xfrm>
-            <a:off x="6638040" y="1769040"/>
-            <a:ext cx="2920680" cy="2091240"/>
-          </a:xfrm>
-          <a:prstGeom prst="rect">
-            <a:avLst/>
-          </a:prstGeom>
-        </p:spPr>
-        <p:txBody>
-          <a:bodyPr lIns="0" rIns="0" tIns="0" bIns="0">
-            <a:normAutofit/>
-          </a:bodyPr>
-          <a:p>
-            <a:endParaRPr b="0" lang="cs-CZ" sz="3200" spc="-1" strike="noStrike">
-              <a:latin typeface="Arial"/>
-            </a:endParaRPr>
-          </a:p>
-        </p:txBody>
-      </p:sp>
-      <p:sp>
-        <p:nvSpPr>
-          <p:cNvPr id="38" name="PlaceHolder 5"/>
-          <p:cNvSpPr>
-            <a:spLocks noGrp="1"/>
-          </p:cNvSpPr>
-          <p:nvPr>
-            <p:ph type="body"/>
-          </p:nvPr>
-        </p:nvSpPr>
-        <p:spPr>
-          <a:xfrm>
-            <a:off x="6638040" y="4059360"/>
-            <a:ext cx="2920680" cy="2091240"/>
-          </a:xfrm>
-          <a:prstGeom prst="rect">
-            <a:avLst/>
-          </a:prstGeom>
-        </p:spPr>
-        <p:txBody>
-          <a:bodyPr lIns="0" rIns="0" tIns="0" bIns="0">
-            <a:normAutofit/>
-          </a:bodyPr>
-          <a:p>
-            <a:endParaRPr b="0" lang="cs-CZ" sz="3200" spc="-1" strike="noStrike">
-              <a:latin typeface="Arial"/>
-            </a:endParaRPr>
-          </a:p>
-        </p:txBody>
-      </p:sp>
-      <p:sp>
-        <p:nvSpPr>
-          <p:cNvPr id="39" name="PlaceHolder 6"/>
-          <p:cNvSpPr>
-            <a:spLocks noGrp="1"/>
-          </p:cNvSpPr>
-          <p:nvPr>
-            <p:ph type="body"/>
-          </p:nvPr>
-        </p:nvSpPr>
-        <p:spPr>
-          <a:xfrm>
-            <a:off x="3571200" y="4059360"/>
-            <a:ext cx="2920680" cy="2091240"/>
-          </a:xfrm>
-          <a:prstGeom prst="rect">
-            <a:avLst/>
-          </a:prstGeom>
-        </p:spPr>
-        <p:txBody>
-          <a:bodyPr lIns="0" rIns="0" tIns="0" bIns="0">
-            <a:normAutofit/>
-          </a:bodyPr>
-          <a:p>
-            <a:endParaRPr b="0" lang="cs-CZ" sz="3200" spc="-1" strike="noStrike">
-              <a:latin typeface="Arial"/>
-            </a:endParaRPr>
-          </a:p>
-        </p:txBody>
-      </p:sp>
-      <p:sp>
-        <p:nvSpPr>
-          <p:cNvPr id="40" name="PlaceHolder 7"/>
-          <p:cNvSpPr>
-            <a:spLocks noGrp="1"/>
-          </p:cNvSpPr>
-          <p:nvPr>
-            <p:ph type="body"/>
-          </p:nvPr>
-        </p:nvSpPr>
-        <p:spPr>
-          <a:xfrm>
-            <a:off x="504000" y="4059360"/>
-            <a:ext cx="2920680" cy="2091240"/>
+          <p:cNvPr id="31" name="PlaceHolder 2"/>
+          <p:cNvSpPr>
+            <a:spLocks noGrp="1"/>
+          </p:cNvSpPr>
+          <p:nvPr>
+            <p:ph type="body"/>
+          </p:nvPr>
+        </p:nvSpPr>
+        <p:spPr>
+          <a:xfrm>
+            <a:off x="504000" y="1768680"/>
+            <a:ext cx="2921040" cy="2090880"/>
+          </a:xfrm>
+          <a:prstGeom prst="rect">
+            <a:avLst/>
+          </a:prstGeom>
+        </p:spPr>
+        <p:txBody>
+          <a:bodyPr lIns="0" rIns="0" tIns="0" bIns="0">
+            <a:normAutofit/>
+          </a:bodyPr>
+          <a:p>
+            <a:endParaRPr b="0" lang="cs-CZ" sz="3200" spc="-1" strike="noStrike">
+              <a:latin typeface="Arial"/>
+            </a:endParaRPr>
+          </a:p>
+        </p:txBody>
+      </p:sp>
+      <p:sp>
+        <p:nvSpPr>
+          <p:cNvPr id="32" name="PlaceHolder 3"/>
+          <p:cNvSpPr>
+            <a:spLocks noGrp="1"/>
+          </p:cNvSpPr>
+          <p:nvPr>
+            <p:ph type="body"/>
+          </p:nvPr>
+        </p:nvSpPr>
+        <p:spPr>
+          <a:xfrm>
+            <a:off x="3571560" y="1768680"/>
+            <a:ext cx="2921040" cy="2090880"/>
+          </a:xfrm>
+          <a:prstGeom prst="rect">
+            <a:avLst/>
+          </a:prstGeom>
+        </p:spPr>
+        <p:txBody>
+          <a:bodyPr lIns="0" rIns="0" tIns="0" bIns="0">
+            <a:normAutofit/>
+          </a:bodyPr>
+          <a:p>
+            <a:endParaRPr b="0" lang="cs-CZ" sz="3200" spc="-1" strike="noStrike">
+              <a:latin typeface="Arial"/>
+            </a:endParaRPr>
+          </a:p>
+        </p:txBody>
+      </p:sp>
+      <p:sp>
+        <p:nvSpPr>
+          <p:cNvPr id="33" name="PlaceHolder 4"/>
+          <p:cNvSpPr>
+            <a:spLocks noGrp="1"/>
+          </p:cNvSpPr>
+          <p:nvPr>
+            <p:ph type="body"/>
+          </p:nvPr>
+        </p:nvSpPr>
+        <p:spPr>
+          <a:xfrm>
+            <a:off x="6639120" y="1768680"/>
+            <a:ext cx="2921040" cy="2090880"/>
+          </a:xfrm>
+          <a:prstGeom prst="rect">
+            <a:avLst/>
+          </a:prstGeom>
+        </p:spPr>
+        <p:txBody>
+          <a:bodyPr lIns="0" rIns="0" tIns="0" bIns="0">
+            <a:normAutofit/>
+          </a:bodyPr>
+          <a:p>
+            <a:endParaRPr b="0" lang="cs-CZ" sz="3200" spc="-1" strike="noStrike">
+              <a:latin typeface="Arial"/>
+            </a:endParaRPr>
+          </a:p>
+        </p:txBody>
+      </p:sp>
+      <p:sp>
+        <p:nvSpPr>
+          <p:cNvPr id="34" name="PlaceHolder 5"/>
+          <p:cNvSpPr>
+            <a:spLocks noGrp="1"/>
+          </p:cNvSpPr>
+          <p:nvPr>
+            <p:ph type="body"/>
+          </p:nvPr>
+        </p:nvSpPr>
+        <p:spPr>
+          <a:xfrm>
+            <a:off x="6639120" y="4058640"/>
+            <a:ext cx="2921040" cy="2090880"/>
+          </a:xfrm>
+          <a:prstGeom prst="rect">
+            <a:avLst/>
+          </a:prstGeom>
+        </p:spPr>
+        <p:txBody>
+          <a:bodyPr lIns="0" rIns="0" tIns="0" bIns="0">
+            <a:normAutofit/>
+          </a:bodyPr>
+          <a:p>
+            <a:endParaRPr b="0" lang="cs-CZ" sz="3200" spc="-1" strike="noStrike">
+              <a:latin typeface="Arial"/>
+            </a:endParaRPr>
+          </a:p>
+        </p:txBody>
+      </p:sp>
+      <p:sp>
+        <p:nvSpPr>
+          <p:cNvPr id="35" name="PlaceHolder 6"/>
+          <p:cNvSpPr>
+            <a:spLocks noGrp="1"/>
+          </p:cNvSpPr>
+          <p:nvPr>
+            <p:ph type="body"/>
+          </p:nvPr>
+        </p:nvSpPr>
+        <p:spPr>
+          <a:xfrm>
+            <a:off x="3571560" y="4058640"/>
+            <a:ext cx="2921040" cy="2090880"/>
+          </a:xfrm>
+          <a:prstGeom prst="rect">
+            <a:avLst/>
+          </a:prstGeom>
+        </p:spPr>
+        <p:txBody>
+          <a:bodyPr lIns="0" rIns="0" tIns="0" bIns="0">
+            <a:normAutofit/>
+          </a:bodyPr>
+          <a:p>
+            <a:endParaRPr b="0" lang="cs-CZ" sz="3200" spc="-1" strike="noStrike">
+              <a:latin typeface="Arial"/>
+            </a:endParaRPr>
+          </a:p>
+        </p:txBody>
+      </p:sp>
+      <p:sp>
+        <p:nvSpPr>
+          <p:cNvPr id="36" name="PlaceHolder 7"/>
+          <p:cNvSpPr>
+            <a:spLocks noGrp="1"/>
+          </p:cNvSpPr>
+          <p:nvPr>
+            <p:ph type="body"/>
+          </p:nvPr>
+        </p:nvSpPr>
+        <p:spPr>
+          <a:xfrm>
+            <a:off x="504000" y="4058640"/>
+            <a:ext cx="2921040" cy="2090880"/>
           </a:xfrm>
           <a:prstGeom prst="rect">
             <a:avLst/>
@@ -566,7 +566,7 @@
       </p:grpSpPr>
       <p:sp>
         <p:nvSpPr>
-          <p:cNvPr id="5" name="PlaceHolder 1"/>
+          <p:cNvPr id="1" name="PlaceHolder 1"/>
           <p:cNvSpPr>
             <a:spLocks noGrp="1"/>
           </p:cNvSpPr>
@@ -577,7 +577,7 @@
         <p:spPr>
           <a:xfrm>
             <a:off x="504000" y="301320"/>
-            <a:ext cx="9071640" cy="1262160"/>
+            <a:ext cx="9071280" cy="1261800"/>
           </a:xfrm>
           <a:prstGeom prst="rect">
             <a:avLst/>
@@ -595,7 +595,7 @@
       </p:sp>
       <p:sp>
         <p:nvSpPr>
-          <p:cNvPr id="6" name="PlaceHolder 2"/>
+          <p:cNvPr id="2" name="PlaceHolder 2"/>
           <p:cNvSpPr>
             <a:spLocks noGrp="1"/>
           </p:cNvSpPr>
@@ -605,8 +605,8 @@
         </p:nvSpPr>
         <p:spPr>
           <a:xfrm>
-            <a:off x="504000" y="1769040"/>
-            <a:ext cx="9071640" cy="4384440"/>
+            <a:off x="504000" y="1768680"/>
+            <a:ext cx="9072000" cy="4384080"/>
           </a:xfrm>
           <a:prstGeom prst="rect">
             <a:avLst/>
@@ -646,7 +646,7 @@
       </p:grpSpPr>
       <p:sp>
         <p:nvSpPr>
-          <p:cNvPr id="7" name="PlaceHolder 1"/>
+          <p:cNvPr id="3" name="PlaceHolder 1"/>
           <p:cNvSpPr>
             <a:spLocks noGrp="1"/>
           </p:cNvSpPr>
@@ -657,7 +657,7 @@
         <p:spPr>
           <a:xfrm>
             <a:off x="504000" y="301320"/>
-            <a:ext cx="9071640" cy="1262160"/>
+            <a:ext cx="9071280" cy="1261800"/>
           </a:xfrm>
           <a:prstGeom prst="rect">
             <a:avLst/>
@@ -675,18 +675,18 @@
       </p:sp>
       <p:sp>
         <p:nvSpPr>
-          <p:cNvPr id="8" name="PlaceHolder 2"/>
-          <p:cNvSpPr>
-            <a:spLocks noGrp="1"/>
-          </p:cNvSpPr>
-          <p:nvPr>
-            <p:ph type="body"/>
-          </p:nvPr>
-        </p:nvSpPr>
-        <p:spPr>
-          <a:xfrm>
-            <a:off x="504000" y="1769040"/>
-            <a:ext cx="9071640" cy="4384440"/>
+          <p:cNvPr id="4" name="PlaceHolder 2"/>
+          <p:cNvSpPr>
+            <a:spLocks noGrp="1"/>
+          </p:cNvSpPr>
+          <p:nvPr>
+            <p:ph type="body"/>
+          </p:nvPr>
+        </p:nvSpPr>
+        <p:spPr>
+          <a:xfrm>
+            <a:off x="504000" y="1768680"/>
+            <a:ext cx="9072000" cy="4384080"/>
           </a:xfrm>
           <a:prstGeom prst="rect">
             <a:avLst/>
@@ -727,7 +727,7 @@
       </p:grpSpPr>
       <p:sp>
         <p:nvSpPr>
-          <p:cNvPr id="9" name="PlaceHolder 1"/>
+          <p:cNvPr id="5" name="PlaceHolder 1"/>
           <p:cNvSpPr>
             <a:spLocks noGrp="1"/>
           </p:cNvSpPr>
@@ -738,7 +738,7 @@
         <p:spPr>
           <a:xfrm>
             <a:off x="504000" y="301320"/>
-            <a:ext cx="9071640" cy="1262160"/>
+            <a:ext cx="9071280" cy="1261800"/>
           </a:xfrm>
           <a:prstGeom prst="rect">
             <a:avLst/>
@@ -756,48 +756,48 @@
       </p:sp>
       <p:sp>
         <p:nvSpPr>
-          <p:cNvPr id="10" name="PlaceHolder 2"/>
-          <p:cNvSpPr>
-            <a:spLocks noGrp="1"/>
-          </p:cNvSpPr>
-          <p:nvPr>
-            <p:ph type="body"/>
-          </p:nvPr>
-        </p:nvSpPr>
-        <p:spPr>
-          <a:xfrm>
-            <a:off x="504000" y="1769040"/>
-            <a:ext cx="4426920" cy="4384440"/>
-          </a:xfrm>
-          <a:prstGeom prst="rect">
-            <a:avLst/>
-          </a:prstGeom>
-        </p:spPr>
-        <p:txBody>
-          <a:bodyPr lIns="0" rIns="0" tIns="0" bIns="0">
-            <a:normAutofit/>
-          </a:bodyPr>
-          <a:p>
-            <a:endParaRPr b="0" lang="cs-CZ" sz="3200" spc="-1" strike="noStrike">
-              <a:latin typeface="Arial"/>
-            </a:endParaRPr>
-          </a:p>
-        </p:txBody>
-      </p:sp>
-      <p:sp>
-        <p:nvSpPr>
-          <p:cNvPr id="11" name="PlaceHolder 3"/>
-          <p:cNvSpPr>
-            <a:spLocks noGrp="1"/>
-          </p:cNvSpPr>
-          <p:nvPr>
-            <p:ph type="body"/>
-          </p:nvPr>
-        </p:nvSpPr>
-        <p:spPr>
-          <a:xfrm>
-            <a:off x="5152680" y="1769040"/>
-            <a:ext cx="4426920" cy="4384440"/>
+          <p:cNvPr id="6" name="PlaceHolder 2"/>
+          <p:cNvSpPr>
+            <a:spLocks noGrp="1"/>
+          </p:cNvSpPr>
+          <p:nvPr>
+            <p:ph type="body"/>
+          </p:nvPr>
+        </p:nvSpPr>
+        <p:spPr>
+          <a:xfrm>
+            <a:off x="504000" y="1768680"/>
+            <a:ext cx="4426920" cy="4384080"/>
+          </a:xfrm>
+          <a:prstGeom prst="rect">
+            <a:avLst/>
+          </a:prstGeom>
+        </p:spPr>
+        <p:txBody>
+          <a:bodyPr lIns="0" rIns="0" tIns="0" bIns="0">
+            <a:normAutofit/>
+          </a:bodyPr>
+          <a:p>
+            <a:endParaRPr b="0" lang="cs-CZ" sz="3200" spc="-1" strike="noStrike">
+              <a:latin typeface="Arial"/>
+            </a:endParaRPr>
+          </a:p>
+        </p:txBody>
+      </p:sp>
+      <p:sp>
+        <p:nvSpPr>
+          <p:cNvPr id="7" name="PlaceHolder 3"/>
+          <p:cNvSpPr>
+            <a:spLocks noGrp="1"/>
+          </p:cNvSpPr>
+          <p:nvPr>
+            <p:ph type="body"/>
+          </p:nvPr>
+        </p:nvSpPr>
+        <p:spPr>
+          <a:xfrm>
+            <a:off x="5152680" y="1768680"/>
+            <a:ext cx="4426920" cy="4384080"/>
           </a:xfrm>
           <a:prstGeom prst="rect">
             <a:avLst/>
@@ -838,7 +838,7 @@
       </p:grpSpPr>
       <p:sp>
         <p:nvSpPr>
-          <p:cNvPr id="12" name="PlaceHolder 1"/>
+          <p:cNvPr id="8" name="PlaceHolder 1"/>
           <p:cNvSpPr>
             <a:spLocks noGrp="1"/>
           </p:cNvSpPr>
@@ -849,7 +849,7 @@
         <p:spPr>
           <a:xfrm>
             <a:off x="504000" y="301320"/>
-            <a:ext cx="9071640" cy="1262160"/>
+            <a:ext cx="9071280" cy="1261800"/>
           </a:xfrm>
           <a:prstGeom prst="rect">
             <a:avLst/>
@@ -889,7 +889,7 @@
       </p:grpSpPr>
       <p:sp>
         <p:nvSpPr>
-          <p:cNvPr id="13" name="PlaceHolder 1"/>
+          <p:cNvPr id="9" name="PlaceHolder 1"/>
           <p:cNvSpPr>
             <a:spLocks noGrp="1"/>
           </p:cNvSpPr>
@@ -900,7 +900,7 @@
         <p:spPr>
           <a:xfrm>
             <a:off x="504000" y="301320"/>
-            <a:ext cx="9071640" cy="5851800"/>
+            <a:ext cx="9071280" cy="5850360"/>
           </a:xfrm>
           <a:prstGeom prst="rect">
             <a:avLst/>
@@ -940,7 +940,7 @@
       </p:grpSpPr>
       <p:sp>
         <p:nvSpPr>
-          <p:cNvPr id="14" name="PlaceHolder 1"/>
+          <p:cNvPr id="10" name="PlaceHolder 1"/>
           <p:cNvSpPr>
             <a:spLocks noGrp="1"/>
           </p:cNvSpPr>
@@ -951,7 +951,7 @@
         <p:spPr>
           <a:xfrm>
             <a:off x="504000" y="301320"/>
-            <a:ext cx="9071640" cy="1262160"/>
+            <a:ext cx="9071280" cy="1261800"/>
           </a:xfrm>
           <a:prstGeom prst="rect">
             <a:avLst/>
@@ -969,78 +969,78 @@
       </p:sp>
       <p:sp>
         <p:nvSpPr>
-          <p:cNvPr id="15" name="PlaceHolder 2"/>
-          <p:cNvSpPr>
-            <a:spLocks noGrp="1"/>
-          </p:cNvSpPr>
-          <p:nvPr>
-            <p:ph type="body"/>
-          </p:nvPr>
-        </p:nvSpPr>
-        <p:spPr>
-          <a:xfrm>
-            <a:off x="504000" y="1769040"/>
-            <a:ext cx="4426920" cy="2091240"/>
-          </a:xfrm>
-          <a:prstGeom prst="rect">
-            <a:avLst/>
-          </a:prstGeom>
-        </p:spPr>
-        <p:txBody>
-          <a:bodyPr lIns="0" rIns="0" tIns="0" bIns="0">
-            <a:normAutofit/>
-          </a:bodyPr>
-          <a:p>
-            <a:endParaRPr b="0" lang="cs-CZ" sz="3200" spc="-1" strike="noStrike">
-              <a:latin typeface="Arial"/>
-            </a:endParaRPr>
-          </a:p>
-        </p:txBody>
-      </p:sp>
-      <p:sp>
-        <p:nvSpPr>
-          <p:cNvPr id="16" name="PlaceHolder 3"/>
-          <p:cNvSpPr>
-            <a:spLocks noGrp="1"/>
-          </p:cNvSpPr>
-          <p:nvPr>
-            <p:ph type="body"/>
-          </p:nvPr>
-        </p:nvSpPr>
-        <p:spPr>
-          <a:xfrm>
-            <a:off x="504000" y="4059360"/>
-            <a:ext cx="4426920" cy="2091240"/>
-          </a:xfrm>
-          <a:prstGeom prst="rect">
-            <a:avLst/>
-          </a:prstGeom>
-        </p:spPr>
-        <p:txBody>
-          <a:bodyPr lIns="0" rIns="0" tIns="0" bIns="0">
-            <a:normAutofit/>
-          </a:bodyPr>
-          <a:p>
-            <a:endParaRPr b="0" lang="cs-CZ" sz="3200" spc="-1" strike="noStrike">
-              <a:latin typeface="Arial"/>
-            </a:endParaRPr>
-          </a:p>
-        </p:txBody>
-      </p:sp>
-      <p:sp>
-        <p:nvSpPr>
-          <p:cNvPr id="17" name="PlaceHolder 4"/>
-          <p:cNvSpPr>
-            <a:spLocks noGrp="1"/>
-          </p:cNvSpPr>
-          <p:nvPr>
-            <p:ph type="body"/>
-          </p:nvPr>
-        </p:nvSpPr>
-        <p:spPr>
-          <a:xfrm>
-            <a:off x="5152680" y="1769040"/>
-            <a:ext cx="4426920" cy="4384440"/>
+          <p:cNvPr id="11" name="PlaceHolder 2"/>
+          <p:cNvSpPr>
+            <a:spLocks noGrp="1"/>
+          </p:cNvSpPr>
+          <p:nvPr>
+            <p:ph type="body"/>
+          </p:nvPr>
+        </p:nvSpPr>
+        <p:spPr>
+          <a:xfrm>
+            <a:off x="504000" y="1768680"/>
+            <a:ext cx="4426920" cy="2090880"/>
+          </a:xfrm>
+          <a:prstGeom prst="rect">
+            <a:avLst/>
+          </a:prstGeom>
+        </p:spPr>
+        <p:txBody>
+          <a:bodyPr lIns="0" rIns="0" tIns="0" bIns="0">
+            <a:normAutofit/>
+          </a:bodyPr>
+          <a:p>
+            <a:endParaRPr b="0" lang="cs-CZ" sz="3200" spc="-1" strike="noStrike">
+              <a:latin typeface="Arial"/>
+            </a:endParaRPr>
+          </a:p>
+        </p:txBody>
+      </p:sp>
+      <p:sp>
+        <p:nvSpPr>
+          <p:cNvPr id="12" name="PlaceHolder 3"/>
+          <p:cNvSpPr>
+            <a:spLocks noGrp="1"/>
+          </p:cNvSpPr>
+          <p:nvPr>
+            <p:ph type="body"/>
+          </p:nvPr>
+        </p:nvSpPr>
+        <p:spPr>
+          <a:xfrm>
+            <a:off x="504000" y="4058640"/>
+            <a:ext cx="4426920" cy="2090880"/>
+          </a:xfrm>
+          <a:prstGeom prst="rect">
+            <a:avLst/>
+          </a:prstGeom>
+        </p:spPr>
+        <p:txBody>
+          <a:bodyPr lIns="0" rIns="0" tIns="0" bIns="0">
+            <a:normAutofit/>
+          </a:bodyPr>
+          <a:p>
+            <a:endParaRPr b="0" lang="cs-CZ" sz="3200" spc="-1" strike="noStrike">
+              <a:latin typeface="Arial"/>
+            </a:endParaRPr>
+          </a:p>
+        </p:txBody>
+      </p:sp>
+      <p:sp>
+        <p:nvSpPr>
+          <p:cNvPr id="13" name="PlaceHolder 4"/>
+          <p:cNvSpPr>
+            <a:spLocks noGrp="1"/>
+          </p:cNvSpPr>
+          <p:nvPr>
+            <p:ph type="body"/>
+          </p:nvPr>
+        </p:nvSpPr>
+        <p:spPr>
+          <a:xfrm>
+            <a:off x="5152680" y="1768680"/>
+            <a:ext cx="4426920" cy="4384080"/>
           </a:xfrm>
           <a:prstGeom prst="rect">
             <a:avLst/>
@@ -1081,7 +1081,7 @@
       </p:grpSpPr>
       <p:sp>
         <p:nvSpPr>
-          <p:cNvPr id="18" name="PlaceHolder 1"/>
+          <p:cNvPr id="14" name="PlaceHolder 1"/>
           <p:cNvSpPr>
             <a:spLocks noGrp="1"/>
           </p:cNvSpPr>
@@ -1092,7 +1092,7 @@
         <p:spPr>
           <a:xfrm>
             <a:off x="504000" y="301320"/>
-            <a:ext cx="9071640" cy="1262160"/>
+            <a:ext cx="9071280" cy="1261800"/>
           </a:xfrm>
           <a:prstGeom prst="rect">
             <a:avLst/>
@@ -1110,78 +1110,78 @@
       </p:sp>
       <p:sp>
         <p:nvSpPr>
-          <p:cNvPr id="19" name="PlaceHolder 2"/>
-          <p:cNvSpPr>
-            <a:spLocks noGrp="1"/>
-          </p:cNvSpPr>
-          <p:nvPr>
-            <p:ph type="body"/>
-          </p:nvPr>
-        </p:nvSpPr>
-        <p:spPr>
-          <a:xfrm>
-            <a:off x="504000" y="1769040"/>
-            <a:ext cx="4426920" cy="4384440"/>
-          </a:xfrm>
-          <a:prstGeom prst="rect">
-            <a:avLst/>
-          </a:prstGeom>
-        </p:spPr>
-        <p:txBody>
-          <a:bodyPr lIns="0" rIns="0" tIns="0" bIns="0">
-            <a:normAutofit/>
-          </a:bodyPr>
-          <a:p>
-            <a:endParaRPr b="0" lang="cs-CZ" sz="3200" spc="-1" strike="noStrike">
-              <a:latin typeface="Arial"/>
-            </a:endParaRPr>
-          </a:p>
-        </p:txBody>
-      </p:sp>
-      <p:sp>
-        <p:nvSpPr>
-          <p:cNvPr id="20" name="PlaceHolder 3"/>
-          <p:cNvSpPr>
-            <a:spLocks noGrp="1"/>
-          </p:cNvSpPr>
-          <p:nvPr>
-            <p:ph type="body"/>
-          </p:nvPr>
-        </p:nvSpPr>
-        <p:spPr>
-          <a:xfrm>
-            <a:off x="5152680" y="1769040"/>
-            <a:ext cx="4426920" cy="2091240"/>
-          </a:xfrm>
-          <a:prstGeom prst="rect">
-            <a:avLst/>
-          </a:prstGeom>
-        </p:spPr>
-        <p:txBody>
-          <a:bodyPr lIns="0" rIns="0" tIns="0" bIns="0">
-            <a:normAutofit/>
-          </a:bodyPr>
-          <a:p>
-            <a:endParaRPr b="0" lang="cs-CZ" sz="3200" spc="-1" strike="noStrike">
-              <a:latin typeface="Arial"/>
-            </a:endParaRPr>
-          </a:p>
-        </p:txBody>
-      </p:sp>
-      <p:sp>
-        <p:nvSpPr>
-          <p:cNvPr id="21" name="PlaceHolder 4"/>
-          <p:cNvSpPr>
-            <a:spLocks noGrp="1"/>
-          </p:cNvSpPr>
-          <p:nvPr>
-            <p:ph type="body"/>
-          </p:nvPr>
-        </p:nvSpPr>
-        <p:spPr>
-          <a:xfrm>
-            <a:off x="5152680" y="4059360"/>
-            <a:ext cx="4426920" cy="2091240"/>
+          <p:cNvPr id="15" name="PlaceHolder 2"/>
+          <p:cNvSpPr>
+            <a:spLocks noGrp="1"/>
+          </p:cNvSpPr>
+          <p:nvPr>
+            <p:ph type="body"/>
+          </p:nvPr>
+        </p:nvSpPr>
+        <p:spPr>
+          <a:xfrm>
+            <a:off x="504000" y="1768680"/>
+            <a:ext cx="4426920" cy="4384080"/>
+          </a:xfrm>
+          <a:prstGeom prst="rect">
+            <a:avLst/>
+          </a:prstGeom>
+        </p:spPr>
+        <p:txBody>
+          <a:bodyPr lIns="0" rIns="0" tIns="0" bIns="0">
+            <a:normAutofit/>
+          </a:bodyPr>
+          <a:p>
+            <a:endParaRPr b="0" lang="cs-CZ" sz="3200" spc="-1" strike="noStrike">
+              <a:latin typeface="Arial"/>
+            </a:endParaRPr>
+          </a:p>
+        </p:txBody>
+      </p:sp>
+      <p:sp>
+        <p:nvSpPr>
+          <p:cNvPr id="16" name="PlaceHolder 3"/>
+          <p:cNvSpPr>
+            <a:spLocks noGrp="1"/>
+          </p:cNvSpPr>
+          <p:nvPr>
+            <p:ph type="body"/>
+          </p:nvPr>
+        </p:nvSpPr>
+        <p:spPr>
+          <a:xfrm>
+            <a:off x="5152680" y="1768680"/>
+            <a:ext cx="4426920" cy="2090880"/>
+          </a:xfrm>
+          <a:prstGeom prst="rect">
+            <a:avLst/>
+          </a:prstGeom>
+        </p:spPr>
+        <p:txBody>
+          <a:bodyPr lIns="0" rIns="0" tIns="0" bIns="0">
+            <a:normAutofit/>
+          </a:bodyPr>
+          <a:p>
+            <a:endParaRPr b="0" lang="cs-CZ" sz="3200" spc="-1" strike="noStrike">
+              <a:latin typeface="Arial"/>
+            </a:endParaRPr>
+          </a:p>
+        </p:txBody>
+      </p:sp>
+      <p:sp>
+        <p:nvSpPr>
+          <p:cNvPr id="17" name="PlaceHolder 4"/>
+          <p:cNvSpPr>
+            <a:spLocks noGrp="1"/>
+          </p:cNvSpPr>
+          <p:nvPr>
+            <p:ph type="body"/>
+          </p:nvPr>
+        </p:nvSpPr>
+        <p:spPr>
+          <a:xfrm>
+            <a:off x="5152680" y="4058640"/>
+            <a:ext cx="4426920" cy="2090880"/>
           </a:xfrm>
           <a:prstGeom prst="rect">
             <a:avLst/>
@@ -1222,7 +1222,7 @@
       </p:grpSpPr>
       <p:sp>
         <p:nvSpPr>
-          <p:cNvPr id="22" name="PlaceHolder 1"/>
+          <p:cNvPr id="18" name="PlaceHolder 1"/>
           <p:cNvSpPr>
             <a:spLocks noGrp="1"/>
           </p:cNvSpPr>
@@ -1233,7 +1233,7 @@
         <p:spPr>
           <a:xfrm>
             <a:off x="504000" y="301320"/>
-            <a:ext cx="9071640" cy="1262160"/>
+            <a:ext cx="9071280" cy="1261800"/>
           </a:xfrm>
           <a:prstGeom prst="rect">
             <a:avLst/>
@@ -1251,78 +1251,78 @@
       </p:sp>
       <p:sp>
         <p:nvSpPr>
-          <p:cNvPr id="23" name="PlaceHolder 2"/>
-          <p:cNvSpPr>
-            <a:spLocks noGrp="1"/>
-          </p:cNvSpPr>
-          <p:nvPr>
-            <p:ph type="body"/>
-          </p:nvPr>
-        </p:nvSpPr>
-        <p:spPr>
-          <a:xfrm>
-            <a:off x="504000" y="1769040"/>
-            <a:ext cx="4426920" cy="2091240"/>
-          </a:xfrm>
-          <a:prstGeom prst="rect">
-            <a:avLst/>
-          </a:prstGeom>
-        </p:spPr>
-        <p:txBody>
-          <a:bodyPr lIns="0" rIns="0" tIns="0" bIns="0">
-            <a:normAutofit/>
-          </a:bodyPr>
-          <a:p>
-            <a:endParaRPr b="0" lang="cs-CZ" sz="3200" spc="-1" strike="noStrike">
-              <a:latin typeface="Arial"/>
-            </a:endParaRPr>
-          </a:p>
-        </p:txBody>
-      </p:sp>
-      <p:sp>
-        <p:nvSpPr>
-          <p:cNvPr id="24" name="PlaceHolder 3"/>
-          <p:cNvSpPr>
-            <a:spLocks noGrp="1"/>
-          </p:cNvSpPr>
-          <p:nvPr>
-            <p:ph type="body"/>
-          </p:nvPr>
-        </p:nvSpPr>
-        <p:spPr>
-          <a:xfrm>
-            <a:off x="5152680" y="1769040"/>
-            <a:ext cx="4426920" cy="2091240"/>
-          </a:xfrm>
-          <a:prstGeom prst="rect">
-            <a:avLst/>
-          </a:prstGeom>
-        </p:spPr>
-        <p:txBody>
-          <a:bodyPr lIns="0" rIns="0" tIns="0" bIns="0">
-            <a:normAutofit/>
-          </a:bodyPr>
-          <a:p>
-            <a:endParaRPr b="0" lang="cs-CZ" sz="3200" spc="-1" strike="noStrike">
-              <a:latin typeface="Arial"/>
-            </a:endParaRPr>
-          </a:p>
-        </p:txBody>
-      </p:sp>
-      <p:sp>
-        <p:nvSpPr>
-          <p:cNvPr id="25" name="PlaceHolder 4"/>
-          <p:cNvSpPr>
-            <a:spLocks noGrp="1"/>
-          </p:cNvSpPr>
-          <p:nvPr>
-            <p:ph type="body"/>
-          </p:nvPr>
-        </p:nvSpPr>
-        <p:spPr>
-          <a:xfrm>
-            <a:off x="504000" y="4059360"/>
-            <a:ext cx="9071640" cy="2091240"/>
+          <p:cNvPr id="19" name="PlaceHolder 2"/>
+          <p:cNvSpPr>
+            <a:spLocks noGrp="1"/>
+          </p:cNvSpPr>
+          <p:nvPr>
+            <p:ph type="body"/>
+          </p:nvPr>
+        </p:nvSpPr>
+        <p:spPr>
+          <a:xfrm>
+            <a:off x="504000" y="1768680"/>
+            <a:ext cx="4426920" cy="2090880"/>
+          </a:xfrm>
+          <a:prstGeom prst="rect">
+            <a:avLst/>
+          </a:prstGeom>
+        </p:spPr>
+        <p:txBody>
+          <a:bodyPr lIns="0" rIns="0" tIns="0" bIns="0">
+            <a:normAutofit/>
+          </a:bodyPr>
+          <a:p>
+            <a:endParaRPr b="0" lang="cs-CZ" sz="3200" spc="-1" strike="noStrike">
+              <a:latin typeface="Arial"/>
+            </a:endParaRPr>
+          </a:p>
+        </p:txBody>
+      </p:sp>
+      <p:sp>
+        <p:nvSpPr>
+          <p:cNvPr id="20" name="PlaceHolder 3"/>
+          <p:cNvSpPr>
+            <a:spLocks noGrp="1"/>
+          </p:cNvSpPr>
+          <p:nvPr>
+            <p:ph type="body"/>
+          </p:nvPr>
+        </p:nvSpPr>
+        <p:spPr>
+          <a:xfrm>
+            <a:off x="5152680" y="1768680"/>
+            <a:ext cx="4426920" cy="2090880"/>
+          </a:xfrm>
+          <a:prstGeom prst="rect">
+            <a:avLst/>
+          </a:prstGeom>
+        </p:spPr>
+        <p:txBody>
+          <a:bodyPr lIns="0" rIns="0" tIns="0" bIns="0">
+            <a:normAutofit/>
+          </a:bodyPr>
+          <a:p>
+            <a:endParaRPr b="0" lang="cs-CZ" sz="3200" spc="-1" strike="noStrike">
+              <a:latin typeface="Arial"/>
+            </a:endParaRPr>
+          </a:p>
+        </p:txBody>
+      </p:sp>
+      <p:sp>
+        <p:nvSpPr>
+          <p:cNvPr id="21" name="PlaceHolder 4"/>
+          <p:cNvSpPr>
+            <a:spLocks noGrp="1"/>
+          </p:cNvSpPr>
+          <p:nvPr>
+            <p:ph type="body"/>
+          </p:nvPr>
+        </p:nvSpPr>
+        <p:spPr>
+          <a:xfrm>
+            <a:off x="504000" y="4058640"/>
+            <a:ext cx="9072000" cy="2090880"/>
           </a:xfrm>
           <a:prstGeom prst="rect">
             <a:avLst/>
@@ -1374,7 +1374,7 @@
         <p:spPr>
           <a:xfrm>
             <a:off x="504000" y="301320"/>
-            <a:ext cx="9071640" cy="1262160"/>
+            <a:ext cx="9071280" cy="1261800"/>
           </a:xfrm>
           <a:prstGeom prst="rect">
             <a:avLst/>
@@ -1383,298 +1383,14 @@
         <p:txBody>
           <a:bodyPr lIns="0" rIns="0" tIns="0" bIns="0" anchor="ctr"/>
           <a:p>
-            <a:pPr algn="ctr"/>
             <a:r>
-              <a:rPr b="0" lang="cs-CZ" sz="4400" spc="-1" strike="noStrike">
+              <a:rPr b="0" lang="cs-CZ" sz="1800" spc="-1" strike="noStrike">
                 <a:latin typeface="Arial"/>
               </a:rPr>
               <a:t>Klikněte pro úpravu formátu textu nadpisu</a:t>
             </a:r>
-            <a:endParaRPr b="0" lang="cs-CZ" sz="4400" spc="-1" strike="noStrike">
-              <a:latin typeface="Arial"/>
-            </a:endParaRPr>
-          </a:p>
-        </p:txBody>
-      </p:sp>
-      <p:sp>
-        <p:nvSpPr>
-          <p:cNvPr id="1" name="PlaceHolder 2"/>
-          <p:cNvSpPr>
-            <a:spLocks noGrp="1"/>
-          </p:cNvSpPr>
-          <p:nvPr>
-            <p:ph type="body"/>
-          </p:nvPr>
-        </p:nvSpPr>
-        <p:spPr>
-          <a:xfrm>
-            <a:off x="504000" y="1769040"/>
-            <a:ext cx="9071640" cy="4384440"/>
-          </a:xfrm>
-          <a:prstGeom prst="rect">
-            <a:avLst/>
-          </a:prstGeom>
-        </p:spPr>
-        <p:txBody>
-          <a:bodyPr lIns="0" rIns="0" tIns="0" bIns="0">
-            <a:normAutofit/>
-          </a:bodyPr>
-          <a:p>
-            <a:pPr marL="432000" indent="-324000">
-              <a:spcBef>
-                <a:spcPts val="1417"/>
-              </a:spcBef>
-              <a:buClr>
-                <a:srgbClr val="000000"/>
-              </a:buClr>
-              <a:buSzPct val="45000"/>
-              <a:buFont typeface="Wingdings" charset="2"/>
-              <a:buChar char=""/>
-            </a:pPr>
-            <a:r>
-              <a:rPr b="0" lang="cs-CZ" sz="3200" spc="-1" strike="noStrike">
-                <a:latin typeface="Arial"/>
-              </a:rPr>
-              <a:t>Klikněte pro úpravu formátu textu osnovy</a:t>
-            </a:r>
-            <a:endParaRPr b="0" lang="cs-CZ" sz="3200" spc="-1" strike="noStrike">
-              <a:latin typeface="Arial"/>
-            </a:endParaRPr>
-          </a:p>
-          <a:p>
-            <a:pPr lvl="1" marL="864000" indent="-324000">
-              <a:spcBef>
-                <a:spcPts val="1134"/>
-              </a:spcBef>
-              <a:buClr>
-                <a:srgbClr val="000000"/>
-              </a:buClr>
-              <a:buSzPct val="75000"/>
-              <a:buFont typeface="Symbol" charset="2"/>
-              <a:buChar char=""/>
-            </a:pPr>
-            <a:r>
-              <a:rPr b="0" lang="cs-CZ" sz="2800" spc="-1" strike="noStrike">
-                <a:latin typeface="Arial"/>
-              </a:rPr>
-              <a:t>Druhá úroveň</a:t>
-            </a:r>
-            <a:endParaRPr b="0" lang="cs-CZ" sz="2800" spc="-1" strike="noStrike">
-              <a:latin typeface="Arial"/>
-            </a:endParaRPr>
-          </a:p>
-          <a:p>
-            <a:pPr lvl="2" marL="1296000" indent="-288000">
-              <a:spcBef>
-                <a:spcPts val="850"/>
-              </a:spcBef>
-              <a:buClr>
-                <a:srgbClr val="000000"/>
-              </a:buClr>
-              <a:buSzPct val="45000"/>
-              <a:buFont typeface="Wingdings" charset="2"/>
-              <a:buChar char=""/>
-            </a:pPr>
-            <a:r>
-              <a:rPr b="0" lang="cs-CZ" sz="2400" spc="-1" strike="noStrike">
-                <a:latin typeface="Arial"/>
-              </a:rPr>
-              <a:t>Třetí úroveň</a:t>
-            </a:r>
-            <a:endParaRPr b="0" lang="cs-CZ" sz="2400" spc="-1" strike="noStrike">
-              <a:latin typeface="Arial"/>
-            </a:endParaRPr>
-          </a:p>
-          <a:p>
-            <a:pPr lvl="3" marL="1728000" indent="-216000">
-              <a:spcBef>
-                <a:spcPts val="567"/>
-              </a:spcBef>
-              <a:buClr>
-                <a:srgbClr val="000000"/>
-              </a:buClr>
-              <a:buSzPct val="75000"/>
-              <a:buFont typeface="Symbol" charset="2"/>
-              <a:buChar char=""/>
-            </a:pPr>
-            <a:r>
-              <a:rPr b="0" lang="cs-CZ" sz="2000" spc="-1" strike="noStrike">
-                <a:latin typeface="Arial"/>
-              </a:rPr>
-              <a:t>Čtvrtá úroveň osnovy</a:t>
-            </a:r>
-            <a:endParaRPr b="0" lang="cs-CZ" sz="2000" spc="-1" strike="noStrike">
-              <a:latin typeface="Arial"/>
-            </a:endParaRPr>
-          </a:p>
-          <a:p>
-            <a:pPr lvl="4" marL="2160000" indent="-216000">
-              <a:spcBef>
-                <a:spcPts val="283"/>
-              </a:spcBef>
-              <a:buClr>
-                <a:srgbClr val="000000"/>
-              </a:buClr>
-              <a:buSzPct val="45000"/>
-              <a:buFont typeface="Wingdings" charset="2"/>
-              <a:buChar char=""/>
-            </a:pPr>
-            <a:r>
-              <a:rPr b="0" lang="cs-CZ" sz="2000" spc="-1" strike="noStrike">
-                <a:latin typeface="Arial"/>
-              </a:rPr>
-              <a:t>Pátá úroveň osnovy</a:t>
-            </a:r>
-            <a:endParaRPr b="0" lang="cs-CZ" sz="2000" spc="-1" strike="noStrike">
-              <a:latin typeface="Arial"/>
-            </a:endParaRPr>
-          </a:p>
-          <a:p>
-            <a:pPr lvl="5" marL="2592000" indent="-216000">
-              <a:spcBef>
-                <a:spcPts val="283"/>
-              </a:spcBef>
-              <a:buClr>
-                <a:srgbClr val="000000"/>
-              </a:buClr>
-              <a:buSzPct val="45000"/>
-              <a:buFont typeface="Wingdings" charset="2"/>
-              <a:buChar char=""/>
-            </a:pPr>
-            <a:r>
-              <a:rPr b="0" lang="cs-CZ" sz="2000" spc="-1" strike="noStrike">
-                <a:latin typeface="Arial"/>
-              </a:rPr>
-              <a:t>Šestá úroveň</a:t>
-            </a:r>
-            <a:endParaRPr b="0" lang="cs-CZ" sz="2000" spc="-1" strike="noStrike">
-              <a:latin typeface="Arial"/>
-            </a:endParaRPr>
-          </a:p>
-          <a:p>
-            <a:pPr lvl="6" marL="3024000" indent="-216000">
-              <a:spcBef>
-                <a:spcPts val="283"/>
-              </a:spcBef>
-              <a:buClr>
-                <a:srgbClr val="000000"/>
-              </a:buClr>
-              <a:buSzPct val="45000"/>
-              <a:buFont typeface="Wingdings" charset="2"/>
-              <a:buChar char=""/>
-            </a:pPr>
-            <a:r>
-              <a:rPr b="0" lang="cs-CZ" sz="2000" spc="-1" strike="noStrike">
-                <a:latin typeface="Arial"/>
-              </a:rPr>
-              <a:t>Sedmá úroveň</a:t>
-            </a:r>
-            <a:endParaRPr b="0" lang="cs-CZ" sz="2000" spc="-1" strike="noStrike">
-              <a:latin typeface="Arial"/>
-            </a:endParaRPr>
-          </a:p>
-        </p:txBody>
-      </p:sp>
-      <p:sp>
-        <p:nvSpPr>
-          <p:cNvPr id="2" name="PlaceHolder 3"/>
-          <p:cNvSpPr>
-            <a:spLocks noGrp="1"/>
-          </p:cNvSpPr>
-          <p:nvPr>
-            <p:ph type="dt"/>
-          </p:nvPr>
-        </p:nvSpPr>
-        <p:spPr>
-          <a:xfrm>
-            <a:off x="504000" y="6887160"/>
-            <a:ext cx="2348280" cy="521280"/>
-          </a:xfrm>
-          <a:prstGeom prst="rect">
-            <a:avLst/>
-          </a:prstGeom>
-        </p:spPr>
-        <p:txBody>
-          <a:bodyPr lIns="0" rIns="0" tIns="0" bIns="0"/>
-          <a:p>
-            <a:r>
-              <a:rPr b="0" lang="cs-CZ" sz="1400" spc="-1" strike="noStrike">
-                <a:latin typeface="Times New Roman"/>
-              </a:rPr>
-              <a:t>&lt;datum/čas&gt;</a:t>
-            </a:r>
-            <a:endParaRPr b="0" lang="cs-CZ" sz="1400" spc="-1" strike="noStrike">
-              <a:latin typeface="Times New Roman"/>
-            </a:endParaRPr>
-          </a:p>
-        </p:txBody>
-      </p:sp>
-      <p:sp>
-        <p:nvSpPr>
-          <p:cNvPr id="3" name="PlaceHolder 4"/>
-          <p:cNvSpPr>
-            <a:spLocks noGrp="1"/>
-          </p:cNvSpPr>
-          <p:nvPr>
-            <p:ph type="ftr"/>
-          </p:nvPr>
-        </p:nvSpPr>
-        <p:spPr>
-          <a:xfrm>
-            <a:off x="3447360" y="6887160"/>
-            <a:ext cx="3195000" cy="521280"/>
-          </a:xfrm>
-          <a:prstGeom prst="rect">
-            <a:avLst/>
-          </a:prstGeom>
-        </p:spPr>
-        <p:txBody>
-          <a:bodyPr lIns="0" rIns="0" tIns="0" bIns="0"/>
-          <a:p>
-            <a:pPr algn="ctr"/>
-            <a:r>
-              <a:rPr b="0" lang="cs-CZ" sz="1400" spc="-1" strike="noStrike">
-                <a:latin typeface="Times New Roman"/>
-              </a:rPr>
-              <a:t>&lt;zápatí&gt;</a:t>
-            </a:r>
-            <a:endParaRPr b="0" lang="cs-CZ" sz="1400" spc="-1" strike="noStrike">
-              <a:latin typeface="Times New Roman"/>
-            </a:endParaRPr>
-          </a:p>
-        </p:txBody>
-      </p:sp>
-      <p:sp>
-        <p:nvSpPr>
-          <p:cNvPr id="4" name="PlaceHolder 5"/>
-          <p:cNvSpPr>
-            <a:spLocks noGrp="1"/>
-          </p:cNvSpPr>
-          <p:nvPr>
-            <p:ph type="sldNum"/>
-          </p:nvPr>
-        </p:nvSpPr>
-        <p:spPr>
-          <a:xfrm>
-            <a:off x="7227360" y="6887160"/>
-            <a:ext cx="2348280" cy="521280"/>
-          </a:xfrm>
-          <a:prstGeom prst="rect">
-            <a:avLst/>
-          </a:prstGeom>
-        </p:spPr>
-        <p:txBody>
-          <a:bodyPr lIns="0" rIns="0" tIns="0" bIns="0"/>
-          <a:p>
-            <a:pPr algn="r"/>
-            <a:fld id="{9B5CEB54-8831-46EC-B79B-21D4F07B236F}" type="slidenum">
-              <a:rPr b="0" lang="cs-CZ" sz="1400" spc="-1" strike="noStrike">
-                <a:latin typeface="Times New Roman"/>
-              </a:rPr>
-              <a:t>&lt;číslo&gt;</a:t>
-            </a:fld>
-            <a:endParaRPr b="0" lang="cs-CZ" sz="1400" spc="-1" strike="noStrike">
-              <a:latin typeface="Times New Roman"/>
+            <a:endParaRPr b="0" lang="cs-CZ" sz="1800" spc="-1" strike="noStrike">
+              <a:latin typeface="Arial"/>
             </a:endParaRPr>
           </a:p>
         </p:txBody>
@@ -1718,14 +1434,14 @@
       </p:grpSpPr>
       <p:sp>
         <p:nvSpPr>
-          <p:cNvPr id="41" name="TextShape 1"/>
-          <p:cNvSpPr txBox="1"/>
+          <p:cNvPr id="37" name="CustomShape 1"/>
+          <p:cNvSpPr/>
           <p:nvPr/>
         </p:nvSpPr>
         <p:spPr>
           <a:xfrm>
             <a:off x="504000" y="301320"/>
-            <a:ext cx="9071640" cy="1262160"/>
+            <a:ext cx="9071280" cy="1261800"/>
           </a:xfrm>
           <a:prstGeom prst="rect">
             <a:avLst/>
@@ -1735,26 +1451,23 @@
             <a:noFill/>
           </a:ln>
         </p:spPr>
-        <p:txBody>
-          <a:bodyPr lIns="0" rIns="0" tIns="0" bIns="0" anchor="ctr"/>
-          <a:p>
-            <a:pPr algn="ctr"/>
-            <a:endParaRPr b="0" lang="cs-CZ" sz="4400" spc="-1" strike="noStrike">
-              <a:latin typeface="Arial"/>
-            </a:endParaRPr>
-          </a:p>
-        </p:txBody>
-      </p:sp>
-      <p:sp>
-        <p:nvSpPr>
-          <p:cNvPr id="42" name="TextShape 2"/>
-          <p:cNvSpPr txBox="1"/>
+        <p:style>
+          <a:lnRef idx="0"/>
+          <a:fillRef idx="0"/>
+          <a:effectRef idx="0"/>
+          <a:fontRef idx="minor"/>
+        </p:style>
+      </p:sp>
+      <p:sp>
+        <p:nvSpPr>
+          <p:cNvPr id="38" name="CustomShape 2"/>
+          <p:cNvSpPr/>
           <p:nvPr/>
         </p:nvSpPr>
         <p:spPr>
           <a:xfrm>
             <a:off x="504000" y="1769040"/>
-            <a:ext cx="9071640" cy="4384440"/>
+            <a:ext cx="9071280" cy="4384080"/>
           </a:xfrm>
           <a:prstGeom prst="rect">
             <a:avLst/>
@@ -1764,18 +1477,42 @@
             <a:noFill/>
           </a:ln>
         </p:spPr>
-        <p:txBody>
-          <a:bodyPr lIns="0" rIns="0" tIns="0" bIns="0" anchor="ctr"/>
-          <a:p>
-            <a:pPr algn="ctr"/>
-            <a:endParaRPr b="0" lang="cs-CZ" sz="3200" spc="-1" strike="noStrike">
-              <a:latin typeface="Arial"/>
-            </a:endParaRPr>
-          </a:p>
-        </p:txBody>
+        <p:style>
+          <a:lnRef idx="0"/>
+          <a:fillRef idx="0"/>
+          <a:effectRef idx="0"/>
+          <a:fontRef idx="minor"/>
+        </p:style>
       </p:sp>
     </p:spTree>
   </p:cSld>
+  <p:timing>
+    <p:tnLst>
+      <p:par>
+        <p:cTn id="1" dur="indefinite" restart="never" nodeType="tmRoot">
+          <p:childTnLst>
+            <p:seq>
+              <p:cTn id="2" nodeType="mainSeq"/>
+              <p:prevCondLst>
+                <p:cond delay="0" evt="onPrev">
+                  <p:tgtEl>
+                    <p:sldTgt/>
+                  </p:tgtEl>
+                </p:cond>
+              </p:prevCondLst>
+              <p:nextCondLst>
+                <p:cond delay="0" evt="onNext">
+                  <p:tgtEl>
+                    <p:sldTgt/>
+                  </p:tgtEl>
+                </p:cond>
+              </p:nextCondLst>
+            </p:seq>
+          </p:childTnLst>
+        </p:cTn>
+      </p:par>
+    </p:tnLst>
+  </p:timing>
 </p:sld>
 </file>
 
